--- a/Node-Archi.pptx
+++ b/Node-Archi.pptx
@@ -5,10 +5,10 @@
     <p:sldMasterId id="2147483648" r:id="rId1"/>
   </p:sldMasterIdLst>
   <p:notesMasterIdLst>
-    <p:notesMasterId r:id="rId35"/>
+    <p:notesMasterId r:id="rId36"/>
   </p:notesMasterIdLst>
   <p:handoutMasterIdLst>
-    <p:handoutMasterId r:id="rId36"/>
+    <p:handoutMasterId r:id="rId37"/>
   </p:handoutMasterIdLst>
   <p:sldIdLst>
     <p:sldId id="267" r:id="rId2"/>
@@ -43,7 +43,8 @@
     <p:sldId id="318" r:id="rId31"/>
     <p:sldId id="319" r:id="rId32"/>
     <p:sldId id="340" r:id="rId33"/>
-    <p:sldId id="280" r:id="rId34"/>
+    <p:sldId id="341" r:id="rId34"/>
+    <p:sldId id="280" r:id="rId35"/>
   </p:sldIdLst>
   <p:sldSz cx="12192000" cy="6858000"/>
   <p:notesSz cx="6858000" cy="9144000"/>
@@ -179,6 +180,7 @@
             <p14:sldId id="318"/>
             <p14:sldId id="319"/>
             <p14:sldId id="340"/>
+            <p14:sldId id="341"/>
           </p14:sldIdLst>
         </p14:section>
         <p14:section name="Untitled Section" id="{5349C275-A014-4E31-9FD1-8EAE4F2EB5A9}">
@@ -291,7 +293,7 @@
           <a:p>
             <a:fld id="{20EA5F0D-C1DC-412F-A146-DDB3A74B588F}" type="datetimeFigureOut">
               <a:rPr lang="en-US"/>
-              <a:t>1/4/2022</a:t>
+              <a:t>5/23/2022</a:t>
             </a:fld>
             <a:endParaRPr/>
           </a:p>
@@ -484,7 +486,7 @@
           <a:p>
             <a:fld id="{A8CDE508-72C8-4AB5-AA9C-1584D31690E0}" type="datetimeFigureOut">
               <a:rPr lang="en-US"/>
-              <a:t>1/4/2022</a:t>
+              <a:t>5/23/2022</a:t>
             </a:fld>
             <a:endParaRPr/>
           </a:p>
@@ -1518,7 +1520,7 @@
           <a:p>
             <a:fld id="{9E583DDF-CA54-461A-A486-592D2374C532}" type="datetimeFigureOut">
               <a:rPr lang="en-US"/>
-              <a:t>1/4/2022</a:t>
+              <a:t>5/23/2022</a:t>
             </a:fld>
             <a:endParaRPr/>
           </a:p>
@@ -1713,7 +1715,7 @@
           <a:p>
             <a:fld id="{9E583DDF-CA54-461A-A486-592D2374C532}" type="datetimeFigureOut">
               <a:rPr lang="en-US"/>
-              <a:t>1/4/2022</a:t>
+              <a:t>5/23/2022</a:t>
             </a:fld>
             <a:endParaRPr/>
           </a:p>
@@ -1933,7 +1935,7 @@
           <a:p>
             <a:fld id="{9E583DDF-CA54-461A-A486-592D2374C532}" type="datetimeFigureOut">
               <a:rPr lang="en-US"/>
-              <a:t>1/4/2022</a:t>
+              <a:t>5/23/2022</a:t>
             </a:fld>
             <a:endParaRPr/>
           </a:p>
@@ -2211,7 +2213,7 @@
           <a:p>
             <a:fld id="{9E583DDF-CA54-461A-A486-592D2374C532}" type="datetimeFigureOut">
               <a:rPr lang="en-US"/>
-              <a:t>1/4/2022</a:t>
+              <a:t>5/23/2022</a:t>
             </a:fld>
             <a:endParaRPr/>
           </a:p>
@@ -2516,7 +2518,7 @@
           <a:p>
             <a:fld id="{1DDA72D1-64D5-4552-ACDD-1CCE5F7F800D}" type="datetimeFigureOut">
               <a:rPr lang="en-US"/>
-              <a:t>1/4/2022</a:t>
+              <a:t>5/23/2022</a:t>
             </a:fld>
             <a:endParaRPr/>
           </a:p>
@@ -2971,7 +2973,7 @@
           <a:p>
             <a:fld id="{9E583DDF-CA54-461A-A486-592D2374C532}" type="datetimeFigureOut">
               <a:rPr lang="en-US"/>
-              <a:t>1/4/2022</a:t>
+              <a:t>5/23/2022</a:t>
             </a:fld>
             <a:endParaRPr/>
           </a:p>
@@ -3104,7 +3106,7 @@
           <a:p>
             <a:fld id="{9E583DDF-CA54-461A-A486-592D2374C532}" type="datetimeFigureOut">
               <a:rPr lang="en-US"/>
-              <a:t>1/4/2022</a:t>
+              <a:t>5/23/2022</a:t>
             </a:fld>
             <a:endParaRPr/>
           </a:p>
@@ -3214,7 +3216,7 @@
           <a:p>
             <a:fld id="{9E583DDF-CA54-461A-A486-592D2374C532}" type="datetimeFigureOut">
               <a:rPr lang="en-US"/>
-              <a:t>1/4/2022</a:t>
+              <a:t>5/23/2022</a:t>
             </a:fld>
             <a:endParaRPr/>
           </a:p>
@@ -3521,7 +3523,7 @@
           <a:p>
             <a:fld id="{9E583DDF-CA54-461A-A486-592D2374C532}" type="datetimeFigureOut">
               <a:rPr lang="en-US"/>
-              <a:t>1/4/2022</a:t>
+              <a:t>5/23/2022</a:t>
             </a:fld>
             <a:endParaRPr/>
           </a:p>
@@ -3841,7 +3843,7 @@
             <a:fld id="{03F41C87-7AD9-4845-A077-840E4A0F3F06}" type="datetimeFigureOut">
               <a:rPr lang="en-US"/>
               <a:pPr/>
-              <a:t>1/4/2022</a:t>
+              <a:t>5/23/2022</a:t>
             </a:fld>
             <a:endParaRPr/>
           </a:p>
@@ -4466,7 +4468,7 @@
             <a:fld id="{9E583DDF-CA54-461A-A486-592D2374C532}" type="datetimeFigureOut">
               <a:rPr lang="en-US" smtClean="0"/>
               <a:pPr/>
-              <a:t>1/4/2022</a:t>
+              <a:t>5/23/2022</a:t>
             </a:fld>
             <a:endParaRPr lang="en-US"/>
           </a:p>
@@ -9478,6 +9480,83 @@
 </file>
 
 <file path=ppt/slides/slide33.xml><?xml version="1.0" encoding="utf-8"?>
+<p:sld xmlns:a="http://schemas.openxmlformats.org/drawingml/2006/main" xmlns:r="http://schemas.openxmlformats.org/officeDocument/2006/relationships" xmlns:p="http://schemas.openxmlformats.org/presentationml/2006/main">
+  <p:cSld>
+    <p:spTree>
+      <p:nvGrpSpPr>
+        <p:cNvPr id="1" name=""/>
+        <p:cNvGrpSpPr/>
+        <p:nvPr/>
+      </p:nvGrpSpPr>
+      <p:grpSpPr>
+        <a:xfrm>
+          <a:off x="0" y="0"/>
+          <a:ext cx="0" cy="0"/>
+          <a:chOff x="0" y="0"/>
+          <a:chExt cx="0" cy="0"/>
+        </a:xfrm>
+      </p:grpSpPr>
+      <p:pic>
+        <p:nvPicPr>
+          <p:cNvPr id="5" name="Content Placeholder 4">
+            <a:extLst>
+              <a:ext uri="{FF2B5EF4-FFF2-40B4-BE49-F238E27FC236}">
+                <a16:creationId xmlns:a16="http://schemas.microsoft.com/office/drawing/2014/main" id="{9F21BAF6-DAFC-F004-F5B3-A04585364A81}"/>
+              </a:ext>
+            </a:extLst>
+          </p:cNvPr>
+          <p:cNvPicPr>
+            <a:picLocks noGrp="1" noChangeAspect="1"/>
+          </p:cNvPicPr>
+          <p:nvPr>
+            <p:ph idx="1"/>
+          </p:nvPr>
+        </p:nvPicPr>
+        <p:blipFill>
+          <a:blip r:embed="rId2">
+            <a:extLst>
+              <a:ext uri="{28A0092B-C50C-407E-A947-70E740481C1C}">
+                <a14:useLocalDpi xmlns:a14="http://schemas.microsoft.com/office/drawing/2010/main" val="0"/>
+              </a:ext>
+            </a:extLst>
+          </a:blip>
+          <a:stretch>
+            <a:fillRect/>
+          </a:stretch>
+        </p:blipFill>
+        <p:spPr>
+          <a:xfrm>
+            <a:off x="45373" y="0"/>
+            <a:ext cx="12101253" cy="8409839"/>
+          </a:xfrm>
+        </p:spPr>
+      </p:pic>
+    </p:spTree>
+    <p:extLst>
+      <p:ext uri="{BB962C8B-B14F-4D97-AF65-F5344CB8AC3E}">
+        <p14:creationId xmlns:p14="http://schemas.microsoft.com/office/powerpoint/2010/main" val="1492525610"/>
+      </p:ext>
+    </p:extLst>
+  </p:cSld>
+  <p:clrMapOvr>
+    <a:masterClrMapping/>
+  </p:clrMapOvr>
+  <mc:AlternateContent xmlns:mc="http://schemas.openxmlformats.org/markup-compatibility/2006" xmlns:p14="http://schemas.microsoft.com/office/powerpoint/2010/main">
+    <mc:Choice Requires="p14">
+      <p:transition spd="med" p14:dur="700">
+        <p:fade/>
+      </p:transition>
+    </mc:Choice>
+    <mc:Fallback xmlns="">
+      <p:transition spd="med">
+        <p:fade/>
+      </p:transition>
+    </mc:Fallback>
+  </mc:AlternateContent>
+</p:sld>
+</file>
+
+<file path=ppt/slides/slide34.xml><?xml version="1.0" encoding="utf-8"?>
 <p:sld xmlns:a="http://schemas.openxmlformats.org/drawingml/2006/main" xmlns:r="http://schemas.openxmlformats.org/officeDocument/2006/relationships" xmlns:p="http://schemas.openxmlformats.org/presentationml/2006/main">
   <p:cSld>
     <p:spTree>
